--- a/src/spliced_aln/Word/WordAndWordHit.pptx
+++ b/src/spliced_aln/Word/WordAndWordHit.pptx
@@ -107,6 +107,11 @@
       </a:defRPr>
     </a:lvl9pPr>
   </p:defaultTextStyle>
+  <p:extLst>
+    <p:ext uri="{EFAFB233-063F-42B5-8137-9DF3F51BA10A}">
+      <p15:sldGuideLst xmlns:p15="http://schemas.microsoft.com/office/powerpoint/2012/main"/>
+    </p:ext>
+  </p:extLst>
 </p:presentation>
 </file>
 
@@ -3986,7 +3991,6 @@
               <a:rPr lang="en-US" sz="1350" dirty="0"/>
               <a:t>wordhit_1</a:t>
             </a:r>
-            <a:endParaRPr lang="en-US" sz="1350" dirty="0"/>
           </a:p>
         </p:txBody>
       </p:sp>
@@ -4016,7 +4020,6 @@
               <a:rPr lang="en-US" sz="1350" dirty="0"/>
               <a:t>wordhit_4</a:t>
             </a:r>
-            <a:endParaRPr lang="en-US" sz="1350" dirty="0"/>
           </a:p>
         </p:txBody>
       </p:sp>
@@ -4058,7 +4061,7 @@
         </p:nvSpPr>
         <p:spPr>
           <a:xfrm>
-            <a:off x="2245006" y="3077901"/>
+            <a:off x="2245006" y="2988888"/>
             <a:ext cx="7975078" cy="4031873"/>
           </a:xfrm>
           <a:prstGeom prst="rect">
@@ -4085,27 +4088,7 @@
             </a:r>
             <a:r>
               <a:rPr lang="en-US" sz="1600" dirty="0"/>
-              <a:t>query could have multiple </a:t>
-            </a:r>
-            <a:r>
-              <a:rPr lang="en-US" sz="1600" dirty="0"/>
-              <a:t>match </a:t>
-            </a:r>
-            <a:r>
-              <a:rPr lang="en-US" sz="1600" dirty="0"/>
-              <a:t>on the reference, </a:t>
-            </a:r>
-            <a:r>
-              <a:rPr lang="en-US" sz="1600" dirty="0"/>
-              <a:t>each </a:t>
-            </a:r>
-            <a:r>
-              <a:rPr lang="en-US" sz="1600" dirty="0"/>
-              <a:t>hit </a:t>
-            </a:r>
-            <a:r>
-              <a:rPr lang="en-US" sz="1600" dirty="0"/>
-              <a:t>will form a </a:t>
+              <a:t>query could have multiple match on the reference, each hit will form a </a:t>
             </a:r>
             <a:r>
               <a:rPr lang="en-US" sz="1600" dirty="0" err="1" smtClean="0"/>
@@ -4404,7 +4387,6 @@
               <a:rPr lang="en-US" sz="1350" dirty="0"/>
               <a:t>Word 1</a:t>
             </a:r>
-            <a:endParaRPr lang="en-US" sz="1350" dirty="0"/>
           </a:p>
         </p:txBody>
       </p:sp>
@@ -4448,7 +4430,6 @@
               <a:rPr lang="en-US" altLang="zh-CN" sz="1350" dirty="0"/>
               <a:t>Word 2</a:t>
             </a:r>
-            <a:endParaRPr lang="en-US" altLang="zh-CN" sz="1350" dirty="0"/>
           </a:p>
         </p:txBody>
       </p:sp>
@@ -4492,7 +4473,6 @@
               <a:rPr lang="en-US" altLang="zh-CN" sz="1350" dirty="0"/>
               <a:t>Word 3</a:t>
             </a:r>
-            <a:endParaRPr lang="en-US" altLang="zh-CN" sz="1350" dirty="0"/>
           </a:p>
         </p:txBody>
       </p:sp>
@@ -4536,7 +4516,6 @@
               <a:rPr lang="en-US" altLang="zh-CN" sz="1350" dirty="0"/>
               <a:t>Word 4</a:t>
             </a:r>
-            <a:endParaRPr lang="en-US" altLang="zh-CN" sz="1350" dirty="0"/>
           </a:p>
         </p:txBody>
       </p:sp>
